--- a/Decentralized Solution of MIS problem using RL.pptx
+++ b/Decentralized Solution of MIS problem using RL.pptx
@@ -6501,6 +6501,7 @@
                   <a:srgbClr val="000000"/>
                 </a:solidFill>
                 <a:latin typeface="Canva Sans"/>
+                <a:hlinkClick r:id="rId30" tooltip="https://github.com/Harshit1380/EE675"/>
               </a:rPr>
               <a:t>https://github.com/Harshit1380/EE675</a:t>
             </a:r>
